--- a/export/nodejs-description.pptx
+++ b/export/nodejs-description.pptx
@@ -8,6 +8,7 @@
     <p:sldId id="256" r:id="rId2"/>
     <p:sldId id="257" r:id="rId3"/>
     <p:sldId id="258" r:id="rId4"/>
+    <p:sldId id="259" r:id="rId5"/>
   </p:sldIdLst>
   <p:sldSz cx="9144000" cy="6858000" type="screen4x3"/>
   <p:notesSz cx="6858000" cy="9144000"/>
@@ -147,7 +148,7 @@
 <file path=ppt/revisionInfo.xml><?xml version="1.0" encoding="utf-8"?>
 <p1510:revInfo xmlns:a="http://schemas.openxmlformats.org/drawingml/2006/main" xmlns:r="http://schemas.openxmlformats.org/officeDocument/2006/relationships" xmlns:p1510="http://schemas.microsoft.com/office/powerpoint/2015/10/main">
   <p1510:revLst>
-    <p1510:client id="{23DE6BF5-3A93-49A4-8437-2E1D0E2A2DA5}" v="9" dt="2019-11-27T04:55:37.705"/>
+    <p1510:client id="{2DC6158C-B11C-4732-A76A-F4F195BA4F5F}" v="1" dt="2019-12-15T18:19:39.824"/>
   </p1510:revLst>
 </p1510:revInfo>
 </file>
@@ -272,6 +273,84 @@
       </pc:sldChg>
     </pc:docChg>
   </pc:docChgLst>
+  <pc:docChgLst>
+    <pc:chgData name="Still Hsu" userId="4ca04788c324ab33" providerId="LiveId" clId="{2DC6158C-B11C-4732-A76A-F4F195BA4F5F}"/>
+    <pc:docChg chg="addSld modSld">
+      <pc:chgData name="Still Hsu" userId="4ca04788c324ab33" providerId="LiveId" clId="{2DC6158C-B11C-4732-A76A-F4F195BA4F5F}" dt="2019-12-15T18:20:02.403" v="107" actId="20577"/>
+      <pc:docMkLst>
+        <pc:docMk/>
+      </pc:docMkLst>
+      <pc:sldChg chg="modSp mod">
+        <pc:chgData name="Still Hsu" userId="4ca04788c324ab33" providerId="LiveId" clId="{2DC6158C-B11C-4732-A76A-F4F195BA4F5F}" dt="2019-12-15T18:19:59.147" v="99" actId="20577"/>
+        <pc:sldMkLst>
+          <pc:docMk/>
+          <pc:sldMk cId="3529637247" sldId="257"/>
+        </pc:sldMkLst>
+        <pc:spChg chg="mod">
+          <ac:chgData name="Still Hsu" userId="4ca04788c324ab33" providerId="LiveId" clId="{2DC6158C-B11C-4732-A76A-F4F195BA4F5F}" dt="2019-12-15T18:19:59.147" v="99" actId="20577"/>
+          <ac:spMkLst>
+            <pc:docMk/>
+            <pc:sldMk cId="3529637247" sldId="257"/>
+            <ac:spMk id="2" creationId="{5FE380D2-B97E-42F1-8F17-DFBDF4001072}"/>
+          </ac:spMkLst>
+        </pc:spChg>
+        <pc:spChg chg="mod">
+          <ac:chgData name="Still Hsu" userId="4ca04788c324ab33" providerId="LiveId" clId="{2DC6158C-B11C-4732-A76A-F4F195BA4F5F}" dt="2019-12-15T18:18:06.811" v="23" actId="20577"/>
+          <ac:spMkLst>
+            <pc:docMk/>
+            <pc:sldMk cId="3529637247" sldId="257"/>
+            <ac:spMk id="3" creationId="{74CF3367-EF47-45F1-87D5-6A2A8446563C}"/>
+          </ac:spMkLst>
+        </pc:spChg>
+      </pc:sldChg>
+      <pc:sldChg chg="modSp mod">
+        <pc:chgData name="Still Hsu" userId="4ca04788c324ab33" providerId="LiveId" clId="{2DC6158C-B11C-4732-A76A-F4F195BA4F5F}" dt="2019-12-15T18:19:57.147" v="97" actId="20577"/>
+        <pc:sldMkLst>
+          <pc:docMk/>
+          <pc:sldMk cId="4261620023" sldId="258"/>
+        </pc:sldMkLst>
+        <pc:spChg chg="mod">
+          <ac:chgData name="Still Hsu" userId="4ca04788c324ab33" providerId="LiveId" clId="{2DC6158C-B11C-4732-A76A-F4F195BA4F5F}" dt="2019-12-15T18:19:57.147" v="97" actId="20577"/>
+          <ac:spMkLst>
+            <pc:docMk/>
+            <pc:sldMk cId="4261620023" sldId="258"/>
+            <ac:spMk id="2" creationId="{5FE380D2-B97E-42F1-8F17-DFBDF4001072}"/>
+          </ac:spMkLst>
+        </pc:spChg>
+        <pc:spChg chg="mod">
+          <ac:chgData name="Still Hsu" userId="4ca04788c324ab33" providerId="LiveId" clId="{2DC6158C-B11C-4732-A76A-F4F195BA4F5F}" dt="2019-12-15T18:18:39.954" v="34" actId="2711"/>
+          <ac:spMkLst>
+            <pc:docMk/>
+            <pc:sldMk cId="4261620023" sldId="258"/>
+            <ac:spMk id="3" creationId="{74CF3367-EF47-45F1-87D5-6A2A8446563C}"/>
+          </ac:spMkLst>
+        </pc:spChg>
+      </pc:sldChg>
+      <pc:sldChg chg="modSp add mod">
+        <pc:chgData name="Still Hsu" userId="4ca04788c324ab33" providerId="LiveId" clId="{2DC6158C-B11C-4732-A76A-F4F195BA4F5F}" dt="2019-12-15T18:20:02.403" v="107" actId="20577"/>
+        <pc:sldMkLst>
+          <pc:docMk/>
+          <pc:sldMk cId="3017918969" sldId="259"/>
+        </pc:sldMkLst>
+        <pc:spChg chg="mod">
+          <ac:chgData name="Still Hsu" userId="4ca04788c324ab33" providerId="LiveId" clId="{2DC6158C-B11C-4732-A76A-F4F195BA4F5F}" dt="2019-12-15T18:20:02.403" v="107" actId="20577"/>
+          <ac:spMkLst>
+            <pc:docMk/>
+            <pc:sldMk cId="3017918969" sldId="259"/>
+            <ac:spMk id="2" creationId="{5FE380D2-B97E-42F1-8F17-DFBDF4001072}"/>
+          </ac:spMkLst>
+        </pc:spChg>
+        <pc:spChg chg="mod">
+          <ac:chgData name="Still Hsu" userId="4ca04788c324ab33" providerId="LiveId" clId="{2DC6158C-B11C-4732-A76A-F4F195BA4F5F}" dt="2019-12-15T18:19:44.979" v="94" actId="20577"/>
+          <ac:spMkLst>
+            <pc:docMk/>
+            <pc:sldMk cId="3017918969" sldId="259"/>
+            <ac:spMk id="3" creationId="{74CF3367-EF47-45F1-87D5-6A2A8446563C}"/>
+          </ac:spMkLst>
+        </pc:spChg>
+      </pc:sldChg>
+    </pc:docChg>
+  </pc:docChgLst>
 </pc:chgInfo>
 </file>
 
@@ -313,7 +392,7 @@
           <a:p>
             <a:fld id="{6DF925A2-9B04-41AD-AF8B-82A5F4D315EC}" type="datetimeFigureOut">
               <a:rPr lang="en-US" smtClean="0"/>
-              <a:t>11/27/2019</a:t>
+              <a:t>12/16/2019</a:t>
             </a:fld>
             <a:endParaRPr lang="en-US"/>
           </a:p>
@@ -683,7 +762,7 @@
           <a:p>
             <a:fld id="{6DF925A2-9B04-41AD-AF8B-82A5F4D315EC}" type="datetimeFigureOut">
               <a:rPr lang="en-US" smtClean="0"/>
-              <a:t>11/27/2019</a:t>
+              <a:t>12/16/2019</a:t>
             </a:fld>
             <a:endParaRPr lang="en-US"/>
           </a:p>
@@ -981,7 +1060,7 @@
           <a:p>
             <a:fld id="{6DF925A2-9B04-41AD-AF8B-82A5F4D315EC}" type="datetimeFigureOut">
               <a:rPr lang="en-US" smtClean="0"/>
-              <a:t>11/27/2019</a:t>
+              <a:t>12/16/2019</a:t>
             </a:fld>
             <a:endParaRPr lang="en-US"/>
           </a:p>
@@ -1259,7 +1338,7 @@
           <a:p>
             <a:fld id="{6DF925A2-9B04-41AD-AF8B-82A5F4D315EC}" type="datetimeFigureOut">
               <a:rPr lang="en-US" smtClean="0"/>
-              <a:t>11/27/2019</a:t>
+              <a:t>12/16/2019</a:t>
             </a:fld>
             <a:endParaRPr lang="en-US"/>
           </a:p>
@@ -1457,7 +1536,7 @@
           <a:p>
             <a:fld id="{6DF925A2-9B04-41AD-AF8B-82A5F4D315EC}" type="datetimeFigureOut">
               <a:rPr lang="en-US" smtClean="0"/>
-              <a:t>11/27/2019</a:t>
+              <a:t>12/16/2019</a:t>
             </a:fld>
             <a:endParaRPr lang="en-US"/>
           </a:p>
@@ -1655,7 +1734,7 @@
           <a:p>
             <a:fld id="{6DF925A2-9B04-41AD-AF8B-82A5F4D315EC}" type="datetimeFigureOut">
               <a:rPr lang="en-US" smtClean="0"/>
-              <a:t>11/27/2019</a:t>
+              <a:t>12/16/2019</a:t>
             </a:fld>
             <a:endParaRPr lang="en-US"/>
           </a:p>
@@ -1978,7 +2057,7 @@
           <a:p>
             <a:fld id="{6DF925A2-9B04-41AD-AF8B-82A5F4D315EC}" type="datetimeFigureOut">
               <a:rPr lang="en-US" smtClean="0"/>
-              <a:t>11/27/2019</a:t>
+              <a:t>12/16/2019</a:t>
             </a:fld>
             <a:endParaRPr lang="en-US"/>
           </a:p>
@@ -2222,7 +2301,7 @@
           <a:p>
             <a:fld id="{6DF925A2-9B04-41AD-AF8B-82A5F4D315EC}" type="datetimeFigureOut">
               <a:rPr lang="en-US" smtClean="0"/>
-              <a:t>11/27/2019</a:t>
+              <a:t>12/16/2019</a:t>
             </a:fld>
             <a:endParaRPr lang="en-US"/>
           </a:p>
@@ -2339,7 +2418,7 @@
           <a:p>
             <a:fld id="{6DF925A2-9B04-41AD-AF8B-82A5F4D315EC}" type="datetimeFigureOut">
               <a:rPr lang="en-US" smtClean="0"/>
-              <a:t>11/27/2019</a:t>
+              <a:t>12/16/2019</a:t>
             </a:fld>
             <a:endParaRPr lang="en-US"/>
           </a:p>
@@ -2543,7 +2622,7 @@
           <a:p>
             <a:fld id="{6DF925A2-9B04-41AD-AF8B-82A5F4D315EC}" type="datetimeFigureOut">
               <a:rPr lang="en-US" smtClean="0"/>
-              <a:t>11/27/2019</a:t>
+              <a:t>12/16/2019</a:t>
             </a:fld>
             <a:endParaRPr lang="en-US"/>
           </a:p>
@@ -2918,7 +2997,7 @@
           <a:p>
             <a:fld id="{6DF925A2-9B04-41AD-AF8B-82A5F4D315EC}" type="datetimeFigureOut">
               <a:rPr lang="en-US" smtClean="0"/>
-              <a:t>11/27/2019</a:t>
+              <a:t>12/16/2019</a:t>
             </a:fld>
             <a:endParaRPr lang="en-US"/>
           </a:p>
@@ -3469,7 +3548,7 @@
           <a:p>
             <a:fld id="{6DF925A2-9B04-41AD-AF8B-82A5F4D315EC}" type="datetimeFigureOut">
               <a:rPr lang="en-US" smtClean="0"/>
-              <a:t>11/27/2019</a:t>
+              <a:t>12/16/2019</a:t>
             </a:fld>
             <a:endParaRPr lang="en-US"/>
           </a:p>
@@ -3830,7 +3909,7 @@
           <a:p>
             <a:fld id="{6DF925A2-9B04-41AD-AF8B-82A5F4D315EC}" type="datetimeFigureOut">
               <a:rPr lang="en-US" smtClean="0"/>
-              <a:t>11/27/2019</a:t>
+              <a:t>12/16/2019</a:t>
             </a:fld>
             <a:endParaRPr lang="en-US"/>
           </a:p>
@@ -4113,7 +4192,7 @@
           <a:p>
             <a:fld id="{6DF925A2-9B04-41AD-AF8B-82A5F4D315EC}" type="datetimeFigureOut">
               <a:rPr lang="en-US" smtClean="0"/>
-              <a:t>11/27/2019</a:t>
+              <a:t>12/16/2019</a:t>
             </a:fld>
             <a:endParaRPr lang="en-US"/>
           </a:p>
@@ -4601,7 +4680,7 @@
           <a:p>
             <a:fld id="{6DF925A2-9B04-41AD-AF8B-82A5F4D315EC}" type="datetimeFigureOut">
               <a:rPr lang="en-US" smtClean="0"/>
-              <a:t>11/27/2019</a:t>
+              <a:t>12/16/2019</a:t>
             </a:fld>
             <a:endParaRPr lang="en-US"/>
           </a:p>
@@ -4708,7 +4787,7 @@
           <a:p>
             <a:fld id="{6DF925A2-9B04-41AD-AF8B-82A5F4D315EC}" type="datetimeFigureOut">
               <a:rPr lang="en-US" smtClean="0"/>
-              <a:t>11/27/2019</a:t>
+              <a:t>12/16/2019</a:t>
             </a:fld>
             <a:endParaRPr lang="en-US"/>
           </a:p>
@@ -4902,7 +4981,7 @@
           <a:p>
             <a:fld id="{6DF925A2-9B04-41AD-AF8B-82A5F4D315EC}" type="datetimeFigureOut">
               <a:rPr lang="en-US" smtClean="0"/>
-              <a:t>11/27/2019</a:t>
+              <a:t>12/16/2019</a:t>
             </a:fld>
             <a:endParaRPr lang="en-US"/>
           </a:p>
@@ -6033,7 +6112,7 @@
             </a:r>
             <a:r>
               <a:rPr lang="en-US" altLang="zh-TW" dirty="0"/>
-              <a:t>(1/2)</a:t>
+              <a:t>(1/3)</a:t>
             </a:r>
             <a:endParaRPr lang="en-US" dirty="0"/>
           </a:p>
@@ -6115,6 +6194,13 @@
             <a:r>
               <a:rPr lang="en-US" dirty="0"/>
               <a:t>Node.js + NPM</a:t>
+            </a:r>
+          </a:p>
+          <a:p>
+            <a:pPr lvl="1"/>
+            <a:r>
+              <a:rPr lang="en-US" dirty="0"/>
+              <a:t>Docker + Docker Compose</a:t>
             </a:r>
           </a:p>
         </p:txBody>
@@ -6179,8 +6265,8 @@
               <a:t>教學資源 </a:t>
             </a:r>
             <a:r>
-              <a:rPr lang="en-US" altLang="zh-TW"/>
-              <a:t>(1/2)</a:t>
+              <a:rPr lang="en-US" altLang="zh-TW" dirty="0"/>
+              <a:t>(2/3)</a:t>
             </a:r>
             <a:endParaRPr lang="en-US" dirty="0"/>
           </a:p>
@@ -6232,8 +6318,25 @@
               <a:t>路徑 </a:t>
             </a:r>
             <a:r>
-              <a:rPr lang="en-US" dirty="0"/>
-              <a:t>~/Desktop/ch3</a:t>
+              <a:rPr lang="en-US" dirty="0">
+                <a:latin typeface="Consolas" panose="020B0609020204030204" pitchFamily="49" charset="0"/>
+                <a:cs typeface="Courier New" panose="02070309020205020404" pitchFamily="49" charset="0"/>
+              </a:rPr>
+              <a:t>~/Desktop/</a:t>
+            </a:r>
+            <a:r>
+              <a:rPr lang="en-US" dirty="0" err="1">
+                <a:latin typeface="Consolas" panose="020B0609020204030204" pitchFamily="49" charset="0"/>
+                <a:cs typeface="Courier New" panose="02070309020205020404" pitchFamily="49" charset="0"/>
+              </a:rPr>
+              <a:t>xss</a:t>
+            </a:r>
+            <a:r>
+              <a:rPr lang="en-US" dirty="0">
+                <a:latin typeface="Consolas" panose="020B0609020204030204" pitchFamily="49" charset="0"/>
+                <a:cs typeface="Courier New" panose="02070309020205020404" pitchFamily="49" charset="0"/>
+              </a:rPr>
+              <a:t>-demo</a:t>
             </a:r>
           </a:p>
           <a:p>
@@ -6269,8 +6372,14 @@
           <a:p>
             <a:pPr lvl="2"/>
             <a:r>
+              <a:rPr lang="en-US" dirty="0">
+                <a:latin typeface="Consolas" panose="020B0609020204030204" pitchFamily="49" charset="0"/>
+              </a:rPr>
+              <a:t>./app.js </a:t>
+            </a:r>
+            <a:r>
               <a:rPr lang="en-US" dirty="0"/>
-              <a:t>./app.js L18/22</a:t>
+              <a:t>L18/22</a:t>
             </a:r>
           </a:p>
           <a:p>
@@ -6284,21 +6393,31 @@
           <a:p>
             <a:pPr lvl="2"/>
             <a:r>
+              <a:rPr lang="en-US" dirty="0">
+                <a:latin typeface="Consolas" panose="020B0609020204030204" pitchFamily="49" charset="0"/>
+              </a:rPr>
+              <a:t>./app.js</a:t>
+            </a:r>
+            <a:r>
               <a:rPr lang="en-US" dirty="0"/>
-              <a:t>./app.js L4~8/20/21</a:t>
+              <a:t> L4~8/20/21</a:t>
             </a:r>
           </a:p>
           <a:p>
             <a:pPr lvl="2"/>
             <a:r>
-              <a:rPr lang="en-US" dirty="0"/>
+              <a:rPr lang="en-US" dirty="0">
+                <a:latin typeface="Consolas" panose="020B0609020204030204" pitchFamily="49" charset="0"/>
+              </a:rPr>
               <a:t>./configs/responseHeaderConfig.js</a:t>
             </a:r>
           </a:p>
           <a:p>
             <a:pPr lvl="2"/>
             <a:r>
-              <a:rPr lang="en-US" dirty="0"/>
+              <a:rPr lang="en-US" dirty="0">
+                <a:latin typeface="Consolas" panose="020B0609020204030204" pitchFamily="49" charset="0"/>
+              </a:rPr>
               <a:t>./validation/purify.js</a:t>
             </a:r>
           </a:p>
@@ -6308,6 +6427,214 @@
     <p:extLst>
       <p:ext uri="{BB962C8B-B14F-4D97-AF65-F5344CB8AC3E}">
         <p14:creationId xmlns:p14="http://schemas.microsoft.com/office/powerpoint/2010/main" val="4261620023"/>
+      </p:ext>
+    </p:extLst>
+  </p:cSld>
+  <p:clrMapOvr>
+    <a:masterClrMapping/>
+  </p:clrMapOvr>
+</p:sld>
+</file>
+
+<file path=ppt/slides/slide4.xml><?xml version="1.0" encoding="utf-8"?>
+<p:sld xmlns:a="http://schemas.openxmlformats.org/drawingml/2006/main" xmlns:r="http://schemas.openxmlformats.org/officeDocument/2006/relationships" xmlns:p="http://schemas.openxmlformats.org/presentationml/2006/main">
+  <p:cSld>
+    <p:spTree>
+      <p:nvGrpSpPr>
+        <p:cNvPr id="1" name=""/>
+        <p:cNvGrpSpPr/>
+        <p:nvPr/>
+      </p:nvGrpSpPr>
+      <p:grpSpPr>
+        <a:xfrm>
+          <a:off x="0" y="0"/>
+          <a:ext cx="0" cy="0"/>
+          <a:chOff x="0" y="0"/>
+          <a:chExt cx="0" cy="0"/>
+        </a:xfrm>
+      </p:grpSpPr>
+      <p:sp>
+        <p:nvSpPr>
+          <p:cNvPr id="2" name="Title 1">
+            <a:extLst>
+              <a:ext uri="{FF2B5EF4-FFF2-40B4-BE49-F238E27FC236}">
+                <a16:creationId xmlns:a16="http://schemas.microsoft.com/office/drawing/2014/main" id="{5FE380D2-B97E-42F1-8F17-DFBDF4001072}"/>
+              </a:ext>
+            </a:extLst>
+          </p:cNvPr>
+          <p:cNvSpPr>
+            <a:spLocks noGrp="1"/>
+          </p:cNvSpPr>
+          <p:nvPr>
+            <p:ph type="title"/>
+          </p:nvPr>
+        </p:nvSpPr>
+        <p:spPr/>
+        <p:txBody>
+          <a:bodyPr/>
+          <a:lstStyle/>
+          <a:p>
+            <a:r>
+              <a:rPr lang="en-US" altLang="zh-TW" dirty="0"/>
+              <a:t>2-4 Node.js - </a:t>
+            </a:r>
+            <a:r>
+              <a:rPr lang="zh-TW" altLang="en-US" dirty="0"/>
+              <a:t>教學資源 </a:t>
+            </a:r>
+            <a:r>
+              <a:rPr lang="en-US" altLang="zh-TW"/>
+              <a:t>(3/3)</a:t>
+            </a:r>
+            <a:endParaRPr lang="en-US" dirty="0"/>
+          </a:p>
+        </p:txBody>
+      </p:sp>
+      <p:sp>
+        <p:nvSpPr>
+          <p:cNvPr id="3" name="Content Placeholder 2">
+            <a:extLst>
+              <a:ext uri="{FF2B5EF4-FFF2-40B4-BE49-F238E27FC236}">
+                <a16:creationId xmlns:a16="http://schemas.microsoft.com/office/drawing/2014/main" id="{74CF3367-EF47-45F1-87D5-6A2A8446563C}"/>
+              </a:ext>
+            </a:extLst>
+          </p:cNvPr>
+          <p:cNvSpPr>
+            <a:spLocks noGrp="1"/>
+          </p:cNvSpPr>
+          <p:nvPr>
+            <p:ph idx="1"/>
+          </p:nvPr>
+        </p:nvSpPr>
+        <p:spPr/>
+        <p:txBody>
+          <a:bodyPr/>
+          <a:lstStyle/>
+          <a:p>
+            <a:r>
+              <a:rPr lang="zh-TW" altLang="en-US" dirty="0"/>
+              <a:t>程式碼</a:t>
+            </a:r>
+            <a:endParaRPr lang="en-US" altLang="zh-TW" dirty="0"/>
+          </a:p>
+          <a:p>
+            <a:pPr lvl="1"/>
+            <a:r>
+              <a:rPr lang="en-US" altLang="zh-TW" dirty="0" err="1"/>
+              <a:t>SQLi</a:t>
+            </a:r>
+            <a:r>
+              <a:rPr lang="zh-TW" altLang="en-US" dirty="0"/>
+              <a:t>示範</a:t>
+            </a:r>
+            <a:endParaRPr lang="en-US" altLang="zh-TW" dirty="0"/>
+          </a:p>
+          <a:p>
+            <a:pPr lvl="1"/>
+            <a:r>
+              <a:rPr lang="zh-TW" altLang="en-US" dirty="0"/>
+              <a:t>路徑 </a:t>
+            </a:r>
+            <a:r>
+              <a:rPr lang="en-US" dirty="0">
+                <a:latin typeface="Consolas" panose="020B0609020204030204" pitchFamily="49" charset="0"/>
+                <a:cs typeface="Courier New" panose="02070309020205020404" pitchFamily="49" charset="0"/>
+              </a:rPr>
+              <a:t>~/Desktop/</a:t>
+            </a:r>
+            <a:r>
+              <a:rPr lang="en-US" dirty="0" err="1">
+                <a:latin typeface="Consolas" panose="020B0609020204030204" pitchFamily="49" charset="0"/>
+                <a:cs typeface="Courier New" panose="02070309020205020404" pitchFamily="49" charset="0"/>
+              </a:rPr>
+              <a:t>sqli</a:t>
+            </a:r>
+            <a:r>
+              <a:rPr lang="en-US" dirty="0">
+                <a:latin typeface="Consolas" panose="020B0609020204030204" pitchFamily="49" charset="0"/>
+                <a:cs typeface="Courier New" panose="02070309020205020404" pitchFamily="49" charset="0"/>
+              </a:rPr>
+              <a:t>-demo</a:t>
+            </a:r>
+          </a:p>
+          <a:p>
+            <a:pPr lvl="2"/>
+            <a:r>
+              <a:rPr lang="zh-TW" altLang="en-US" dirty="0"/>
+              <a:t>透過</a:t>
+            </a:r>
+            <a:r>
+              <a:rPr lang="en-US" altLang="zh-TW" dirty="0"/>
+              <a:t> </a:t>
+            </a:r>
+            <a:r>
+              <a:rPr lang="en-US" altLang="zh-TW" dirty="0" err="1"/>
+              <a:t>sudo</a:t>
+            </a:r>
+            <a:r>
+              <a:rPr lang="en-US" altLang="zh-TW" dirty="0"/>
+              <a:t> </a:t>
+            </a:r>
+            <a:r>
+              <a:rPr lang="en-US" altLang="zh-TW" dirty="0">
+                <a:latin typeface="Consolas" panose="020B0609020204030204" pitchFamily="49" charset="0"/>
+              </a:rPr>
+              <a:t>docker-compose up </a:t>
+            </a:r>
+            <a:r>
+              <a:rPr lang="zh-TW" altLang="en-US" dirty="0"/>
+              <a:t>執行</a:t>
+            </a:r>
+            <a:endParaRPr lang="en-US" altLang="zh-TW" dirty="0"/>
+          </a:p>
+          <a:p>
+            <a:pPr lvl="1"/>
+            <a:r>
+              <a:rPr lang="zh-TW" altLang="en-US" dirty="0"/>
+              <a:t>具弱點的程式碼</a:t>
+            </a:r>
+            <a:endParaRPr lang="en-US" altLang="zh-TW" dirty="0"/>
+          </a:p>
+          <a:p>
+            <a:pPr lvl="2"/>
+            <a:r>
+              <a:rPr lang="en-US" dirty="0">
+                <a:latin typeface="Consolas" panose="020B0609020204030204" pitchFamily="49" charset="0"/>
+              </a:rPr>
+              <a:t>./routes/login.js </a:t>
+            </a:r>
+            <a:r>
+              <a:rPr lang="en-US" dirty="0"/>
+              <a:t>L27</a:t>
+            </a:r>
+          </a:p>
+          <a:p>
+            <a:pPr lvl="1"/>
+            <a:r>
+              <a:rPr lang="zh-TW" altLang="en-US" dirty="0"/>
+              <a:t>對應防禦手法</a:t>
+            </a:r>
+            <a:endParaRPr lang="en-US" altLang="zh-TW" dirty="0"/>
+          </a:p>
+          <a:p>
+            <a:pPr lvl="2"/>
+            <a:r>
+              <a:rPr lang="en-US" dirty="0">
+                <a:latin typeface="Consolas" panose="020B0609020204030204" pitchFamily="49" charset="0"/>
+              </a:rPr>
+              <a:t>./routes/login.js </a:t>
+            </a:r>
+            <a:r>
+              <a:rPr lang="en-US" dirty="0"/>
+              <a:t>L11</a:t>
+            </a:r>
+          </a:p>
+        </p:txBody>
+      </p:sp>
+    </p:spTree>
+    <p:extLst>
+      <p:ext uri="{BB962C8B-B14F-4D97-AF65-F5344CB8AC3E}">
+        <p14:creationId xmlns:p14="http://schemas.microsoft.com/office/powerpoint/2010/main" val="3017918969"/>
       </p:ext>
     </p:extLst>
   </p:cSld>
